--- a/PRD2018-G19-需求项目计划PPT.pptx
+++ b/PRD2018-G19-需求项目计划PPT.pptx
@@ -166,6 +166,60 @@
     </p:ext>
   </p:extLst>
 </p:presentation>
+</file>
+
+<file path=ppt/commentAuthors.xml><?xml version="1.0" encoding="utf-8"?>
+<p:cmAuthorLst xmlns:a="http://schemas.openxmlformats.org/drawingml/2006/main" xmlns:r="http://schemas.openxmlformats.org/officeDocument/2006/relationships" xmlns:p="http://schemas.openxmlformats.org/presentationml/2006/main">
+  <p:cmAuthor id="1" name="林 鑫" initials="林" lastIdx="3" clrIdx="0">
+    <p:extLst>
+      <p:ext uri="{19B8F6BF-5375-455C-9EA6-DF929625EA0E}">
+        <p15:presenceInfo xmlns:p15="http://schemas.microsoft.com/office/powerpoint/2012/main" userId="edeb89e1021e941f" providerId="Windows Live"/>
+      </p:ext>
+    </p:extLst>
+  </p:cmAuthor>
+</p:cmAuthorLst>
+</file>
+
+<file path=ppt/comments/comment1.xml><?xml version="1.0" encoding="utf-8"?>
+<p:cmLst xmlns:a="http://schemas.openxmlformats.org/drawingml/2006/main" xmlns:r="http://schemas.openxmlformats.org/officeDocument/2006/relationships" xmlns:p="http://schemas.openxmlformats.org/presentationml/2006/main">
+  <p:cm authorId="1" dt="2018-11-09T16:25:53.532" idx="1">
+    <p:pos x="2434" y="2290"/>
+    <p:text>ISO版本</p:text>
+    <p:extLst>
+      <p:ext uri="{C676402C-5697-4E1C-873F-D02D1690AC5C}">
+        <p15:threadingInfo xmlns:p15="http://schemas.microsoft.com/office/powerpoint/2012/main" timeZoneBias="-480"/>
+      </p:ext>
+    </p:extLst>
+  </p:cm>
+</p:cmLst>
+</file>
+
+<file path=ppt/comments/comment2.xml><?xml version="1.0" encoding="utf-8"?>
+<p:cmLst xmlns:a="http://schemas.openxmlformats.org/drawingml/2006/main" xmlns:r="http://schemas.openxmlformats.org/officeDocument/2006/relationships" xmlns:p="http://schemas.openxmlformats.org/presentationml/2006/main">
+  <p:cm authorId="1" dt="2018-11-09T16:32:24.164" idx="3">
+    <p:pos x="10" y="10"/>
+    <p:text>需求工程里程碑</p:text>
+    <p:extLst>
+      <p:ext uri="{C676402C-5697-4E1C-873F-D02D1690AC5C}">
+        <p15:threadingInfo xmlns:p15="http://schemas.microsoft.com/office/powerpoint/2012/main" timeZoneBias="-480"/>
+      </p:ext>
+    </p:extLst>
+  </p:cm>
+</p:cmLst>
+</file>
+
+<file path=ppt/comments/comment3.xml><?xml version="1.0" encoding="utf-8"?>
+<p:cmLst xmlns:a="http://schemas.openxmlformats.org/drawingml/2006/main" xmlns:r="http://schemas.openxmlformats.org/officeDocument/2006/relationships" xmlns:p="http://schemas.openxmlformats.org/presentationml/2006/main">
+  <p:cm authorId="1" dt="2018-11-09T16:32:12.624" idx="2">
+    <p:pos x="10" y="10"/>
+    <p:text>甘特图修改</p:text>
+    <p:extLst>
+      <p:ext uri="{C676402C-5697-4E1C-873F-D02D1690AC5C}">
+        <p15:threadingInfo xmlns:p15="http://schemas.microsoft.com/office/powerpoint/2012/main" timeZoneBias="-480"/>
+      </p:ext>
+    </p:extLst>
+  </p:cm>
+</p:cmLst>
 </file>
 
 <file path=ppt/notesMasters/notesMaster1.xml><?xml version="1.0" encoding="utf-8"?>
@@ -29737,7 +29791,7 @@
         <p:spPr>
           <a:xfrm>
             <a:off x="4538138" y="2790498"/>
-            <a:ext cx="1005403" cy="584775"/>
+            <a:ext cx="1005403" cy="830997"/>
           </a:xfrm>
           <a:prstGeom prst="rect">
             <a:avLst/>
@@ -29749,6 +29803,27 @@
             <a:spAutoFit/>
           </a:bodyPr>
           <a:lstStyle/>
+          <a:p>
+            <a:pPr algn="ctr"/>
+            <a:r>
+              <a:rPr lang="en-US" altLang="zh-CN" sz="1600" dirty="0">
+                <a:latin typeface="微软雅黑" panose="020B0503020204020204" pitchFamily="34" charset="-122"/>
+                <a:ea typeface="微软雅黑" panose="020B0503020204020204" pitchFamily="34" charset="-122"/>
+              </a:rPr>
+              <a:t>PPT</a:t>
+            </a:r>
+            <a:r>
+              <a:rPr lang="zh-CN" altLang="en-US" sz="1600" dirty="0">
+                <a:latin typeface="微软雅黑" panose="020B0503020204020204" pitchFamily="34" charset="-122"/>
+                <a:ea typeface="微软雅黑" panose="020B0503020204020204" pitchFamily="34" charset="-122"/>
+              </a:rPr>
+              <a:t>制作</a:t>
+            </a:r>
+            <a:endParaRPr lang="en-US" altLang="zh-CN" sz="1600" dirty="0">
+              <a:latin typeface="微软雅黑" panose="020B0503020204020204" pitchFamily="34" charset="-122"/>
+              <a:ea typeface="微软雅黑" panose="020B0503020204020204" pitchFamily="34" charset="-122"/>
+            </a:endParaRPr>
+          </a:p>
           <a:p>
             <a:pPr algn="ctr"/>
             <a:r>
@@ -29830,7 +29905,7 @@
                 <a:latin typeface="微软雅黑" panose="020B0503020204020204" pitchFamily="34" charset="-122"/>
                 <a:ea typeface="微软雅黑" panose="020B0503020204020204" pitchFamily="34" charset="-122"/>
               </a:rPr>
-              <a:t>8.5</a:t>
+              <a:t>8.1</a:t>
             </a:r>
             <a:r>
               <a:rPr lang="zh-CN" altLang="en-US" sz="1600" dirty="0">
@@ -29856,8 +29931,8 @@
         </p:nvSpPr>
         <p:spPr>
           <a:xfrm>
-            <a:off x="3344726" y="2790498"/>
-            <a:ext cx="962123" cy="584775"/>
+            <a:off x="3323089" y="2790498"/>
+            <a:ext cx="1005403" cy="830997"/>
           </a:xfrm>
           <a:prstGeom prst="rect">
             <a:avLst/>
@@ -29872,18 +29947,11 @@
           <a:p>
             <a:pPr algn="ctr"/>
             <a:r>
-              <a:rPr lang="en-US" altLang="zh-CN" sz="1600" dirty="0">
-                <a:latin typeface="微软雅黑" panose="020B0503020204020204" pitchFamily="34" charset="-122"/>
-                <a:ea typeface="微软雅黑" panose="020B0503020204020204" pitchFamily="34" charset="-122"/>
-              </a:rPr>
-              <a:t>PPT</a:t>
-            </a:r>
-            <a:r>
               <a:rPr lang="zh-CN" altLang="en-US" sz="1600" dirty="0">
                 <a:latin typeface="微软雅黑" panose="020B0503020204020204" pitchFamily="34" charset="-122"/>
                 <a:ea typeface="微软雅黑" panose="020B0503020204020204" pitchFamily="34" charset="-122"/>
               </a:rPr>
-              <a:t>制作</a:t>
+              <a:t>记录会议</a:t>
             </a:r>
             <a:endParaRPr lang="en-US" altLang="zh-CN" sz="1600" dirty="0">
               <a:latin typeface="微软雅黑" panose="020B0503020204020204" pitchFamily="34" charset="-122"/>
@@ -29893,11 +29961,25 @@
           <a:p>
             <a:pPr algn="ctr"/>
             <a:r>
+              <a:rPr lang="zh-CN" altLang="en-US" sz="1600" dirty="0">
+                <a:latin typeface="微软雅黑" panose="020B0503020204020204" pitchFamily="34" charset="-122"/>
+                <a:ea typeface="微软雅黑" panose="020B0503020204020204" pitchFamily="34" charset="-122"/>
+              </a:rPr>
+              <a:t>文档编写</a:t>
+            </a:r>
+            <a:endParaRPr lang="en-US" altLang="zh-CN" sz="1600" dirty="0">
+              <a:latin typeface="微软雅黑" panose="020B0503020204020204" pitchFamily="34" charset="-122"/>
+              <a:ea typeface="微软雅黑" panose="020B0503020204020204" pitchFamily="34" charset="-122"/>
+            </a:endParaRPr>
+          </a:p>
+          <a:p>
+            <a:pPr algn="ctr"/>
+            <a:r>
               <a:rPr lang="en-US" altLang="zh-CN" sz="1600" dirty="0">
                 <a:latin typeface="微软雅黑" panose="020B0503020204020204" pitchFamily="34" charset="-122"/>
                 <a:ea typeface="微软雅黑" panose="020B0503020204020204" pitchFamily="34" charset="-122"/>
               </a:rPr>
-              <a:t>8.3</a:t>
+              <a:t>8.5</a:t>
             </a:r>
             <a:r>
               <a:rPr lang="zh-CN" altLang="en-US" sz="1600" dirty="0">
@@ -29939,18 +30021,11 @@
           <a:p>
             <a:pPr algn="ctr"/>
             <a:r>
-              <a:rPr lang="en-US" altLang="zh-CN" sz="1600" dirty="0">
-                <a:latin typeface="微软雅黑" panose="020B0503020204020204" pitchFamily="34" charset="-122"/>
-                <a:ea typeface="微软雅黑" panose="020B0503020204020204" pitchFamily="34" charset="-122"/>
-              </a:rPr>
-              <a:t>PPT</a:t>
-            </a:r>
-            <a:r>
               <a:rPr lang="zh-CN" altLang="en-US" sz="1600" dirty="0">
                 <a:latin typeface="微软雅黑" panose="020B0503020204020204" pitchFamily="34" charset="-122"/>
                 <a:ea typeface="微软雅黑" panose="020B0503020204020204" pitchFamily="34" charset="-122"/>
               </a:rPr>
-              <a:t>制作</a:t>
+              <a:t>配置管理</a:t>
             </a:r>
             <a:endParaRPr lang="en-US" altLang="zh-CN" sz="1600" dirty="0">
               <a:latin typeface="微软雅黑" panose="020B0503020204020204" pitchFamily="34" charset="-122"/>
@@ -29971,7 +30046,7 @@
                 <a:latin typeface="微软雅黑" panose="020B0503020204020204" pitchFamily="34" charset="-122"/>
                 <a:ea typeface="微软雅黑" panose="020B0503020204020204" pitchFamily="34" charset="-122"/>
               </a:rPr>
-              <a:t>8.6</a:t>
+              <a:t>8.3</a:t>
             </a:r>
             <a:r>
               <a:rPr lang="zh-CN" altLang="en-US" sz="1600" dirty="0">
@@ -30001,8 +30076,8 @@
         </p:nvSpPr>
         <p:spPr>
           <a:xfrm>
-            <a:off x="7077432" y="2779215"/>
-            <a:ext cx="1005403" cy="830997"/>
+            <a:off x="7077433" y="2779215"/>
+            <a:ext cx="1005403" cy="1077218"/>
           </a:xfrm>
           <a:prstGeom prst="rect">
             <a:avLst/>
@@ -30022,6 +30097,20 @@
                 <a:ea typeface="微软雅黑" panose="020B0503020204020204" pitchFamily="34" charset="-122"/>
               </a:rPr>
               <a:t>图形制作</a:t>
+            </a:r>
+            <a:endParaRPr lang="en-US" altLang="zh-CN" sz="1600" dirty="0">
+              <a:latin typeface="微软雅黑" panose="020B0503020204020204" pitchFamily="34" charset="-122"/>
+              <a:ea typeface="微软雅黑" panose="020B0503020204020204" pitchFamily="34" charset="-122"/>
+            </a:endParaRPr>
+          </a:p>
+          <a:p>
+            <a:pPr algn="ctr"/>
+            <a:r>
+              <a:rPr lang="zh-CN" altLang="en-US" sz="1600" dirty="0">
+                <a:latin typeface="微软雅黑" panose="020B0503020204020204" pitchFamily="34" charset="-122"/>
+                <a:ea typeface="微软雅黑" panose="020B0503020204020204" pitchFamily="34" charset="-122"/>
+              </a:rPr>
+              <a:t>文档编写</a:t>
             </a:r>
             <a:endParaRPr lang="en-US" altLang="zh-CN" sz="1600" dirty="0">
               <a:latin typeface="微软雅黑" panose="020B0503020204020204" pitchFamily="34" charset="-122"/>
@@ -30893,8 +30982,8 @@
         </p:nvSpPr>
         <p:spPr>
           <a:xfrm>
-            <a:off x="3707904" y="3772582"/>
-            <a:ext cx="773100" cy="383344"/>
+            <a:off x="3462463" y="3772582"/>
+            <a:ext cx="1018541" cy="383344"/>
           </a:xfrm>
           <a:prstGeom prst="rect">
             <a:avLst/>
@@ -30941,8 +31030,8 @@
         </p:nvSpPr>
         <p:spPr>
           <a:xfrm>
-            <a:off x="4644008" y="3772582"/>
-            <a:ext cx="773100" cy="383344"/>
+            <a:off x="4644007" y="3772582"/>
+            <a:ext cx="1018541" cy="383344"/>
           </a:xfrm>
           <a:prstGeom prst="rect">
             <a:avLst/>
@@ -30990,7 +31079,7 @@
         <p:spPr>
           <a:xfrm>
             <a:off x="3730540" y="3779588"/>
-            <a:ext cx="595099" cy="369332"/>
+            <a:ext cx="542200" cy="369332"/>
           </a:xfrm>
           <a:prstGeom prst="rect">
             <a:avLst/>
@@ -31005,7 +31094,7 @@
           <a:p>
             <a:r>
               <a:rPr lang="en-US" altLang="zh-CN" dirty="0"/>
-              <a:t>  For</a:t>
+              <a:t> For</a:t>
             </a:r>
             <a:endParaRPr lang="zh-CN" altLang="en-US" dirty="0"/>
           </a:p>
@@ -31019,8 +31108,8 @@
         </p:nvSpPr>
         <p:spPr>
           <a:xfrm>
-            <a:off x="4666644" y="3779588"/>
-            <a:ext cx="784061" cy="369332"/>
+            <a:off x="4666761" y="3786594"/>
+            <a:ext cx="1067793" cy="369332"/>
           </a:xfrm>
           <a:prstGeom prst="rect">
             <a:avLst/>
@@ -31035,7 +31124,7 @@
           <a:p>
             <a:r>
               <a:rPr lang="en-US" altLang="zh-CN" dirty="0"/>
-              <a:t>Watch</a:t>
+              <a:t>Watching</a:t>
             </a:r>
             <a:endParaRPr lang="zh-CN" altLang="en-US" dirty="0"/>
           </a:p>
@@ -32046,14 +32135,32 @@
                 <a:latin typeface="微软雅黑" panose="020B0503020204020204" pitchFamily="34" charset="-122"/>
                 <a:ea typeface="微软雅黑" panose="020B0503020204020204" pitchFamily="34" charset="-122"/>
               </a:rPr>
-              <a:t>，选择</a:t>
+              <a:t>，</a:t>
+            </a:r>
+            <a:endParaRPr lang="en-US" altLang="zh-CN" sz="1200" dirty="0">
+              <a:latin typeface="微软雅黑" panose="020B0503020204020204" pitchFamily="34" charset="-122"/>
+              <a:ea typeface="微软雅黑" panose="020B0503020204020204" pitchFamily="34" charset="-122"/>
+            </a:endParaRPr>
+          </a:p>
+          <a:p>
+            <a:pPr>
+              <a:lnSpc>
+                <a:spcPct val="150000"/>
+              </a:lnSpc>
+            </a:pPr>
+            <a:r>
+              <a:rPr lang="zh-CN" altLang="en-US" sz="1200" dirty="0">
+                <a:latin typeface="微软雅黑" panose="020B0503020204020204" pitchFamily="34" charset="-122"/>
+                <a:ea typeface="微软雅黑" panose="020B0503020204020204" pitchFamily="34" charset="-122"/>
+              </a:rPr>
+              <a:t>选择</a:t>
             </a:r>
             <a:r>
               <a:rPr lang="en-US" altLang="zh-CN" sz="1200" dirty="0">
                 <a:latin typeface="微软雅黑" panose="020B0503020204020204" pitchFamily="34" charset="-122"/>
                 <a:ea typeface="微软雅黑" panose="020B0503020204020204" pitchFamily="34" charset="-122"/>
               </a:rPr>
-              <a:t>Windows</a:t>
+              <a:t>Windows 10</a:t>
             </a:r>
             <a:r>
               <a:rPr lang="zh-CN" altLang="en-US" sz="1200" dirty="0">

--- a/PRD2018-G19-需求项目计划PPT.pptx
+++ b/PRD2018-G19-需求项目计划PPT.pptx
@@ -166,60 +166,6 @@
     </p:ext>
   </p:extLst>
 </p:presentation>
-</file>
-
-<file path=ppt/commentAuthors.xml><?xml version="1.0" encoding="utf-8"?>
-<p:cmAuthorLst xmlns:a="http://schemas.openxmlformats.org/drawingml/2006/main" xmlns:r="http://schemas.openxmlformats.org/officeDocument/2006/relationships" xmlns:p="http://schemas.openxmlformats.org/presentationml/2006/main">
-  <p:cmAuthor id="1" name="林 鑫" initials="林" lastIdx="3" clrIdx="0">
-    <p:extLst>
-      <p:ext uri="{19B8F6BF-5375-455C-9EA6-DF929625EA0E}">
-        <p15:presenceInfo xmlns:p15="http://schemas.microsoft.com/office/powerpoint/2012/main" userId="edeb89e1021e941f" providerId="Windows Live"/>
-      </p:ext>
-    </p:extLst>
-  </p:cmAuthor>
-</p:cmAuthorLst>
-</file>
-
-<file path=ppt/comments/comment1.xml><?xml version="1.0" encoding="utf-8"?>
-<p:cmLst xmlns:a="http://schemas.openxmlformats.org/drawingml/2006/main" xmlns:r="http://schemas.openxmlformats.org/officeDocument/2006/relationships" xmlns:p="http://schemas.openxmlformats.org/presentationml/2006/main">
-  <p:cm authorId="1" dt="2018-11-09T16:25:53.532" idx="1">
-    <p:pos x="2434" y="2290"/>
-    <p:text>ISO版本</p:text>
-    <p:extLst>
-      <p:ext uri="{C676402C-5697-4E1C-873F-D02D1690AC5C}">
-        <p15:threadingInfo xmlns:p15="http://schemas.microsoft.com/office/powerpoint/2012/main" timeZoneBias="-480"/>
-      </p:ext>
-    </p:extLst>
-  </p:cm>
-</p:cmLst>
-</file>
-
-<file path=ppt/comments/comment2.xml><?xml version="1.0" encoding="utf-8"?>
-<p:cmLst xmlns:a="http://schemas.openxmlformats.org/drawingml/2006/main" xmlns:r="http://schemas.openxmlformats.org/officeDocument/2006/relationships" xmlns:p="http://schemas.openxmlformats.org/presentationml/2006/main">
-  <p:cm authorId="1" dt="2018-11-09T16:32:24.164" idx="3">
-    <p:pos x="10" y="10"/>
-    <p:text>需求工程里程碑</p:text>
-    <p:extLst>
-      <p:ext uri="{C676402C-5697-4E1C-873F-D02D1690AC5C}">
-        <p15:threadingInfo xmlns:p15="http://schemas.microsoft.com/office/powerpoint/2012/main" timeZoneBias="-480"/>
-      </p:ext>
-    </p:extLst>
-  </p:cm>
-</p:cmLst>
-</file>
-
-<file path=ppt/comments/comment3.xml><?xml version="1.0" encoding="utf-8"?>
-<p:cmLst xmlns:a="http://schemas.openxmlformats.org/drawingml/2006/main" xmlns:r="http://schemas.openxmlformats.org/officeDocument/2006/relationships" xmlns:p="http://schemas.openxmlformats.org/presentationml/2006/main">
-  <p:cm authorId="1" dt="2018-11-09T16:32:12.624" idx="2">
-    <p:pos x="10" y="10"/>
-    <p:text>甘特图修改</p:text>
-    <p:extLst>
-      <p:ext uri="{C676402C-5697-4E1C-873F-D02D1690AC5C}">
-        <p15:threadingInfo xmlns:p15="http://schemas.microsoft.com/office/powerpoint/2012/main" timeZoneBias="-480"/>
-      </p:ext>
-    </p:extLst>
-  </p:cm>
-</p:cmLst>
 </file>
 
 <file path=ppt/notesMasters/notesMaster1.xml><?xml version="1.0" encoding="utf-8"?>
@@ -29791,7 +29737,7 @@
         <p:spPr>
           <a:xfrm>
             <a:off x="4538138" y="2790498"/>
-            <a:ext cx="1005403" cy="830997"/>
+            <a:ext cx="1005403" cy="584775"/>
           </a:xfrm>
           <a:prstGeom prst="rect">
             <a:avLst/>
@@ -29803,27 +29749,6 @@
             <a:spAutoFit/>
           </a:bodyPr>
           <a:lstStyle/>
-          <a:p>
-            <a:pPr algn="ctr"/>
-            <a:r>
-              <a:rPr lang="en-US" altLang="zh-CN" sz="1600" dirty="0">
-                <a:latin typeface="微软雅黑" panose="020B0503020204020204" pitchFamily="34" charset="-122"/>
-                <a:ea typeface="微软雅黑" panose="020B0503020204020204" pitchFamily="34" charset="-122"/>
-              </a:rPr>
-              <a:t>PPT</a:t>
-            </a:r>
-            <a:r>
-              <a:rPr lang="zh-CN" altLang="en-US" sz="1600" dirty="0">
-                <a:latin typeface="微软雅黑" panose="020B0503020204020204" pitchFamily="34" charset="-122"/>
-                <a:ea typeface="微软雅黑" panose="020B0503020204020204" pitchFamily="34" charset="-122"/>
-              </a:rPr>
-              <a:t>制作</a:t>
-            </a:r>
-            <a:endParaRPr lang="en-US" altLang="zh-CN" sz="1600" dirty="0">
-              <a:latin typeface="微软雅黑" panose="020B0503020204020204" pitchFamily="34" charset="-122"/>
-              <a:ea typeface="微软雅黑" panose="020B0503020204020204" pitchFamily="34" charset="-122"/>
-            </a:endParaRPr>
-          </a:p>
           <a:p>
             <a:pPr algn="ctr"/>
             <a:r>
@@ -29905,7 +29830,7 @@
                 <a:latin typeface="微软雅黑" panose="020B0503020204020204" pitchFamily="34" charset="-122"/>
                 <a:ea typeface="微软雅黑" panose="020B0503020204020204" pitchFamily="34" charset="-122"/>
               </a:rPr>
-              <a:t>8.1</a:t>
+              <a:t>8.5</a:t>
             </a:r>
             <a:r>
               <a:rPr lang="zh-CN" altLang="en-US" sz="1600" dirty="0">
@@ -29931,8 +29856,8 @@
         </p:nvSpPr>
         <p:spPr>
           <a:xfrm>
-            <a:off x="3323089" y="2790498"/>
-            <a:ext cx="1005403" cy="830997"/>
+            <a:off x="3344726" y="2790498"/>
+            <a:ext cx="962123" cy="584775"/>
           </a:xfrm>
           <a:prstGeom prst="rect">
             <a:avLst/>
@@ -29947,11 +29872,18 @@
           <a:p>
             <a:pPr algn="ctr"/>
             <a:r>
+              <a:rPr lang="en-US" altLang="zh-CN" sz="1600" dirty="0">
+                <a:latin typeface="微软雅黑" panose="020B0503020204020204" pitchFamily="34" charset="-122"/>
+                <a:ea typeface="微软雅黑" panose="020B0503020204020204" pitchFamily="34" charset="-122"/>
+              </a:rPr>
+              <a:t>PPT</a:t>
+            </a:r>
+            <a:r>
               <a:rPr lang="zh-CN" altLang="en-US" sz="1600" dirty="0">
                 <a:latin typeface="微软雅黑" panose="020B0503020204020204" pitchFamily="34" charset="-122"/>
                 <a:ea typeface="微软雅黑" panose="020B0503020204020204" pitchFamily="34" charset="-122"/>
               </a:rPr>
-              <a:t>记录会议</a:t>
+              <a:t>制作</a:t>
             </a:r>
             <a:endParaRPr lang="en-US" altLang="zh-CN" sz="1600" dirty="0">
               <a:latin typeface="微软雅黑" panose="020B0503020204020204" pitchFamily="34" charset="-122"/>
@@ -29961,25 +29893,11 @@
           <a:p>
             <a:pPr algn="ctr"/>
             <a:r>
-              <a:rPr lang="zh-CN" altLang="en-US" sz="1600" dirty="0">
-                <a:latin typeface="微软雅黑" panose="020B0503020204020204" pitchFamily="34" charset="-122"/>
-                <a:ea typeface="微软雅黑" panose="020B0503020204020204" pitchFamily="34" charset="-122"/>
-              </a:rPr>
-              <a:t>文档编写</a:t>
-            </a:r>
-            <a:endParaRPr lang="en-US" altLang="zh-CN" sz="1600" dirty="0">
-              <a:latin typeface="微软雅黑" panose="020B0503020204020204" pitchFamily="34" charset="-122"/>
-              <a:ea typeface="微软雅黑" panose="020B0503020204020204" pitchFamily="34" charset="-122"/>
-            </a:endParaRPr>
-          </a:p>
-          <a:p>
-            <a:pPr algn="ctr"/>
-            <a:r>
               <a:rPr lang="en-US" altLang="zh-CN" sz="1600" dirty="0">
                 <a:latin typeface="微软雅黑" panose="020B0503020204020204" pitchFamily="34" charset="-122"/>
                 <a:ea typeface="微软雅黑" panose="020B0503020204020204" pitchFamily="34" charset="-122"/>
               </a:rPr>
-              <a:t>8.5</a:t>
+              <a:t>8.3</a:t>
             </a:r>
             <a:r>
               <a:rPr lang="zh-CN" altLang="en-US" sz="1600" dirty="0">
@@ -30021,11 +29939,18 @@
           <a:p>
             <a:pPr algn="ctr"/>
             <a:r>
+              <a:rPr lang="en-US" altLang="zh-CN" sz="1600" dirty="0">
+                <a:latin typeface="微软雅黑" panose="020B0503020204020204" pitchFamily="34" charset="-122"/>
+                <a:ea typeface="微软雅黑" panose="020B0503020204020204" pitchFamily="34" charset="-122"/>
+              </a:rPr>
+              <a:t>PPT</a:t>
+            </a:r>
+            <a:r>
               <a:rPr lang="zh-CN" altLang="en-US" sz="1600" dirty="0">
                 <a:latin typeface="微软雅黑" panose="020B0503020204020204" pitchFamily="34" charset="-122"/>
                 <a:ea typeface="微软雅黑" panose="020B0503020204020204" pitchFamily="34" charset="-122"/>
               </a:rPr>
-              <a:t>配置管理</a:t>
+              <a:t>制作</a:t>
             </a:r>
             <a:endParaRPr lang="en-US" altLang="zh-CN" sz="1600" dirty="0">
               <a:latin typeface="微软雅黑" panose="020B0503020204020204" pitchFamily="34" charset="-122"/>
@@ -30046,7 +29971,7 @@
                 <a:latin typeface="微软雅黑" panose="020B0503020204020204" pitchFamily="34" charset="-122"/>
                 <a:ea typeface="微软雅黑" panose="020B0503020204020204" pitchFamily="34" charset="-122"/>
               </a:rPr>
-              <a:t>8.3</a:t>
+              <a:t>8.6</a:t>
             </a:r>
             <a:r>
               <a:rPr lang="zh-CN" altLang="en-US" sz="1600" dirty="0">
@@ -30076,8 +30001,8 @@
         </p:nvSpPr>
         <p:spPr>
           <a:xfrm>
-            <a:off x="7077433" y="2779215"/>
-            <a:ext cx="1005403" cy="1077218"/>
+            <a:off x="7077432" y="2779215"/>
+            <a:ext cx="1005403" cy="830997"/>
           </a:xfrm>
           <a:prstGeom prst="rect">
             <a:avLst/>
@@ -30097,20 +30022,6 @@
                 <a:ea typeface="微软雅黑" panose="020B0503020204020204" pitchFamily="34" charset="-122"/>
               </a:rPr>
               <a:t>图形制作</a:t>
-            </a:r>
-            <a:endParaRPr lang="en-US" altLang="zh-CN" sz="1600" dirty="0">
-              <a:latin typeface="微软雅黑" panose="020B0503020204020204" pitchFamily="34" charset="-122"/>
-              <a:ea typeface="微软雅黑" panose="020B0503020204020204" pitchFamily="34" charset="-122"/>
-            </a:endParaRPr>
-          </a:p>
-          <a:p>
-            <a:pPr algn="ctr"/>
-            <a:r>
-              <a:rPr lang="zh-CN" altLang="en-US" sz="1600" dirty="0">
-                <a:latin typeface="微软雅黑" panose="020B0503020204020204" pitchFamily="34" charset="-122"/>
-                <a:ea typeface="微软雅黑" panose="020B0503020204020204" pitchFamily="34" charset="-122"/>
-              </a:rPr>
-              <a:t>文档编写</a:t>
             </a:r>
             <a:endParaRPr lang="en-US" altLang="zh-CN" sz="1600" dirty="0">
               <a:latin typeface="微软雅黑" panose="020B0503020204020204" pitchFamily="34" charset="-122"/>
@@ -30982,8 +30893,8 @@
         </p:nvSpPr>
         <p:spPr>
           <a:xfrm>
-            <a:off x="3462463" y="3772582"/>
-            <a:ext cx="1018541" cy="383344"/>
+            <a:off x="3707904" y="3772582"/>
+            <a:ext cx="773100" cy="383344"/>
           </a:xfrm>
           <a:prstGeom prst="rect">
             <a:avLst/>
@@ -31030,8 +30941,8 @@
         </p:nvSpPr>
         <p:spPr>
           <a:xfrm>
-            <a:off x="4644007" y="3772582"/>
-            <a:ext cx="1018541" cy="383344"/>
+            <a:off x="4644008" y="3772582"/>
+            <a:ext cx="773100" cy="383344"/>
           </a:xfrm>
           <a:prstGeom prst="rect">
             <a:avLst/>
@@ -31079,7 +30990,7 @@
         <p:spPr>
           <a:xfrm>
             <a:off x="3730540" y="3779588"/>
-            <a:ext cx="542200" cy="369332"/>
+            <a:ext cx="595099" cy="369332"/>
           </a:xfrm>
           <a:prstGeom prst="rect">
             <a:avLst/>
@@ -31094,7 +31005,7 @@
           <a:p>
             <a:r>
               <a:rPr lang="en-US" altLang="zh-CN" dirty="0"/>
-              <a:t> For</a:t>
+              <a:t>  For</a:t>
             </a:r>
             <a:endParaRPr lang="zh-CN" altLang="en-US" dirty="0"/>
           </a:p>
@@ -31108,8 +31019,8 @@
         </p:nvSpPr>
         <p:spPr>
           <a:xfrm>
-            <a:off x="4666761" y="3786594"/>
-            <a:ext cx="1067793" cy="369332"/>
+            <a:off x="4666644" y="3779588"/>
+            <a:ext cx="784061" cy="369332"/>
           </a:xfrm>
           <a:prstGeom prst="rect">
             <a:avLst/>
@@ -31124,7 +31035,7 @@
           <a:p>
             <a:r>
               <a:rPr lang="en-US" altLang="zh-CN" dirty="0"/>
-              <a:t>Watching</a:t>
+              <a:t>Watch</a:t>
             </a:r>
             <a:endParaRPr lang="zh-CN" altLang="en-US" dirty="0"/>
           </a:p>
@@ -32135,32 +32046,14 @@
                 <a:latin typeface="微软雅黑" panose="020B0503020204020204" pitchFamily="34" charset="-122"/>
                 <a:ea typeface="微软雅黑" panose="020B0503020204020204" pitchFamily="34" charset="-122"/>
               </a:rPr>
-              <a:t>，</a:t>
-            </a:r>
-            <a:endParaRPr lang="en-US" altLang="zh-CN" sz="1200" dirty="0">
-              <a:latin typeface="微软雅黑" panose="020B0503020204020204" pitchFamily="34" charset="-122"/>
-              <a:ea typeface="微软雅黑" panose="020B0503020204020204" pitchFamily="34" charset="-122"/>
-            </a:endParaRPr>
-          </a:p>
-          <a:p>
-            <a:pPr>
-              <a:lnSpc>
-                <a:spcPct val="150000"/>
-              </a:lnSpc>
-            </a:pPr>
-            <a:r>
-              <a:rPr lang="zh-CN" altLang="en-US" sz="1200" dirty="0">
-                <a:latin typeface="微软雅黑" panose="020B0503020204020204" pitchFamily="34" charset="-122"/>
-                <a:ea typeface="微软雅黑" panose="020B0503020204020204" pitchFamily="34" charset="-122"/>
-              </a:rPr>
-              <a:t>选择</a:t>
+              <a:t>，选择</a:t>
             </a:r>
             <a:r>
               <a:rPr lang="en-US" altLang="zh-CN" sz="1200" dirty="0">
                 <a:latin typeface="微软雅黑" panose="020B0503020204020204" pitchFamily="34" charset="-122"/>
                 <a:ea typeface="微软雅黑" panose="020B0503020204020204" pitchFamily="34" charset="-122"/>
               </a:rPr>
-              <a:t>Windows 10</a:t>
+              <a:t>Windows</a:t>
             </a:r>
             <a:r>
               <a:rPr lang="zh-CN" altLang="en-US" sz="1200" dirty="0">

--- a/PRD2018-G19-需求项目计划PPT.pptx
+++ b/PRD2018-G19-需求项目计划PPT.pptx
@@ -262,7 +262,7 @@
           <a:p>
             <a:fld id="{87DBD0E1-C01C-48A0-906A-49A17D3E6825}" type="datetimeFigureOut">
               <a:rPr lang="zh-CN" altLang="en-US" smtClean="0"/>
-              <a:t>2018/11/9</a:t>
+              <a:t>2018/11/23</a:t>
             </a:fld>
             <a:endParaRPr lang="zh-CN" altLang="en-US"/>
           </a:p>
@@ -1324,7 +1324,7 @@
           <a:p>
             <a:fld id="{530820CF-B880-4189-942D-D702A7CBA730}" type="datetimeFigureOut">
               <a:rPr lang="zh-CN" altLang="en-US" smtClean="0"/>
-              <a:t>2018/11/9</a:t>
+              <a:t>2018/11/23</a:t>
             </a:fld>
             <a:endParaRPr lang="zh-CN" altLang="en-US"/>
           </a:p>
@@ -1487,7 +1487,7 @@
           <a:p>
             <a:fld id="{530820CF-B880-4189-942D-D702A7CBA730}" type="datetimeFigureOut">
               <a:rPr lang="zh-CN" altLang="en-US" smtClean="0"/>
-              <a:t>2018/11/9</a:t>
+              <a:t>2018/11/23</a:t>
             </a:fld>
             <a:endParaRPr lang="zh-CN" altLang="en-US"/>
           </a:p>
@@ -1660,7 +1660,7 @@
           <a:p>
             <a:fld id="{530820CF-B880-4189-942D-D702A7CBA730}" type="datetimeFigureOut">
               <a:rPr lang="zh-CN" altLang="en-US" smtClean="0"/>
-              <a:t>2018/11/9</a:t>
+              <a:t>2018/11/23</a:t>
             </a:fld>
             <a:endParaRPr lang="zh-CN" altLang="en-US"/>
           </a:p>
@@ -1823,7 +1823,7 @@
           <a:p>
             <a:fld id="{530820CF-B880-4189-942D-D702A7CBA730}" type="datetimeFigureOut">
               <a:rPr lang="zh-CN" altLang="en-US" smtClean="0"/>
-              <a:t>2018/11/9</a:t>
+              <a:t>2018/11/23</a:t>
             </a:fld>
             <a:endParaRPr lang="zh-CN" altLang="en-US"/>
           </a:p>
@@ -2063,7 +2063,7 @@
           <a:p>
             <a:fld id="{530820CF-B880-4189-942D-D702A7CBA730}" type="datetimeFigureOut">
               <a:rPr lang="zh-CN" altLang="en-US" smtClean="0"/>
-              <a:t>2018/11/9</a:t>
+              <a:t>2018/11/23</a:t>
             </a:fld>
             <a:endParaRPr lang="zh-CN" altLang="en-US"/>
           </a:p>
@@ -2343,7 +2343,7 @@
           <a:p>
             <a:fld id="{530820CF-B880-4189-942D-D702A7CBA730}" type="datetimeFigureOut">
               <a:rPr lang="zh-CN" altLang="en-US" smtClean="0"/>
-              <a:t>2018/11/9</a:t>
+              <a:t>2018/11/23</a:t>
             </a:fld>
             <a:endParaRPr lang="zh-CN" altLang="en-US"/>
           </a:p>
@@ -2757,7 +2757,7 @@
           <a:p>
             <a:fld id="{530820CF-B880-4189-942D-D702A7CBA730}" type="datetimeFigureOut">
               <a:rPr lang="zh-CN" altLang="en-US" smtClean="0"/>
-              <a:t>2018/11/9</a:t>
+              <a:t>2018/11/23</a:t>
             </a:fld>
             <a:endParaRPr lang="zh-CN" altLang="en-US"/>
           </a:p>
@@ -2869,7 +2869,7 @@
           <a:p>
             <a:fld id="{530820CF-B880-4189-942D-D702A7CBA730}" type="datetimeFigureOut">
               <a:rPr lang="zh-CN" altLang="en-US" smtClean="0"/>
-              <a:t>2018/11/9</a:t>
+              <a:t>2018/11/23</a:t>
             </a:fld>
             <a:endParaRPr lang="zh-CN" altLang="en-US"/>
           </a:p>
@@ -2959,7 +2959,7 @@
           <a:p>
             <a:fld id="{530820CF-B880-4189-942D-D702A7CBA730}" type="datetimeFigureOut">
               <a:rPr lang="zh-CN" altLang="en-US" smtClean="0"/>
-              <a:t>2018/11/9</a:t>
+              <a:t>2018/11/23</a:t>
             </a:fld>
             <a:endParaRPr lang="zh-CN" altLang="en-US"/>
           </a:p>
@@ -3229,7 +3229,7 @@
           <a:p>
             <a:fld id="{530820CF-B880-4189-942D-D702A7CBA730}" type="datetimeFigureOut">
               <a:rPr lang="zh-CN" altLang="en-US" smtClean="0"/>
-              <a:t>2018/11/9</a:t>
+              <a:t>2018/11/23</a:t>
             </a:fld>
             <a:endParaRPr lang="zh-CN" altLang="en-US"/>
           </a:p>
@@ -3476,7 +3476,7 @@
           <a:p>
             <a:fld id="{530820CF-B880-4189-942D-D702A7CBA730}" type="datetimeFigureOut">
               <a:rPr lang="zh-CN" altLang="en-US" smtClean="0"/>
-              <a:t>2018/11/9</a:t>
+              <a:t>2018/11/23</a:t>
             </a:fld>
             <a:endParaRPr lang="zh-CN" altLang="en-US"/>
           </a:p>
@@ -3685,7 +3685,7 @@
           <a:p>
             <a:fld id="{530820CF-B880-4189-942D-D702A7CBA730}" type="datetimeFigureOut">
               <a:rPr lang="zh-CN" altLang="en-US" smtClean="0"/>
-              <a:t>2018/11/9</a:t>
+              <a:t>2018/11/23</a:t>
             </a:fld>
             <a:endParaRPr lang="zh-CN" altLang="en-US"/>
           </a:p>
@@ -29897,7 +29897,7 @@
                 <a:latin typeface="微软雅黑" panose="020B0503020204020204" pitchFamily="34" charset="-122"/>
                 <a:ea typeface="微软雅黑" panose="020B0503020204020204" pitchFamily="34" charset="-122"/>
               </a:rPr>
-              <a:t>8.3</a:t>
+              <a:t>8.6</a:t>
             </a:r>
             <a:r>
               <a:rPr lang="zh-CN" altLang="en-US" sz="1600" dirty="0">
@@ -29924,7 +29924,7 @@
         <p:spPr>
           <a:xfrm>
             <a:off x="1972177" y="2776878"/>
-            <a:ext cx="1226689" cy="830997"/>
+            <a:ext cx="1226689" cy="584775"/>
           </a:xfrm>
           <a:prstGeom prst="rect">
             <a:avLst/>
@@ -29939,39 +29939,18 @@
           <a:p>
             <a:pPr algn="ctr"/>
             <a:r>
+              <a:rPr lang="zh-CN" altLang="en-US" sz="1600" dirty="0">
+                <a:latin typeface="微软雅黑" panose="020B0503020204020204" pitchFamily="34" charset="-122"/>
+                <a:ea typeface="微软雅黑" panose="020B0503020204020204" pitchFamily="34" charset="-122"/>
+              </a:rPr>
+              <a:t>文档编写</a:t>
+            </a:r>
+            <a:r>
               <a:rPr lang="en-US" altLang="zh-CN" sz="1600" dirty="0">
                 <a:latin typeface="微软雅黑" panose="020B0503020204020204" pitchFamily="34" charset="-122"/>
                 <a:ea typeface="微软雅黑" panose="020B0503020204020204" pitchFamily="34" charset="-122"/>
               </a:rPr>
-              <a:t>PPT</a:t>
-            </a:r>
-            <a:r>
-              <a:rPr lang="zh-CN" altLang="en-US" sz="1600" dirty="0">
-                <a:latin typeface="微软雅黑" panose="020B0503020204020204" pitchFamily="34" charset="-122"/>
-                <a:ea typeface="微软雅黑" panose="020B0503020204020204" pitchFamily="34" charset="-122"/>
-              </a:rPr>
-              <a:t>制作</a:t>
-            </a:r>
-            <a:endParaRPr lang="en-US" altLang="zh-CN" sz="1600" dirty="0">
-              <a:latin typeface="微软雅黑" panose="020B0503020204020204" pitchFamily="34" charset="-122"/>
-              <a:ea typeface="微软雅黑" panose="020B0503020204020204" pitchFamily="34" charset="-122"/>
-            </a:endParaRPr>
-          </a:p>
-          <a:p>
-            <a:pPr algn="ctr"/>
-            <a:r>
-              <a:rPr lang="zh-CN" altLang="en-US" sz="1600" dirty="0">
-                <a:latin typeface="微软雅黑" panose="020B0503020204020204" pitchFamily="34" charset="-122"/>
-                <a:ea typeface="微软雅黑" panose="020B0503020204020204" pitchFamily="34" charset="-122"/>
-              </a:rPr>
-              <a:t>文档编写</a:t>
-            </a:r>
-            <a:r>
-              <a:rPr lang="en-US" altLang="zh-CN" sz="1600" dirty="0">
-                <a:latin typeface="微软雅黑" panose="020B0503020204020204" pitchFamily="34" charset="-122"/>
-                <a:ea typeface="微软雅黑" panose="020B0503020204020204" pitchFamily="34" charset="-122"/>
-              </a:rPr>
-              <a:t>8.6</a:t>
+              <a:t>8.3</a:t>
             </a:r>
             <a:r>
               <a:rPr lang="zh-CN" altLang="en-US" sz="1600" dirty="0">
@@ -32534,10 +32513,10 @@
       </p:sp>
       <p:pic>
         <p:nvPicPr>
-          <p:cNvPr id="15" name="图片 14">
+          <p:cNvPr id="9" name="图片 8">
             <a:extLst>
               <a:ext uri="{FF2B5EF4-FFF2-40B4-BE49-F238E27FC236}">
-                <a16:creationId xmlns:a16="http://schemas.microsoft.com/office/drawing/2014/main" id="{E0C1DCAC-D75D-4910-B62B-C9CBE06938AB}"/>
+                <a16:creationId xmlns:a16="http://schemas.microsoft.com/office/drawing/2014/main" id="{A597B393-A430-4DDD-8EF8-B945E11EC944}"/>
               </a:ext>
             </a:extLst>
           </p:cNvPr>
@@ -32554,8 +32533,8 @@
         </p:blipFill>
         <p:spPr>
           <a:xfrm>
-            <a:off x="2458988" y="1583172"/>
-            <a:ext cx="5638095" cy="1876190"/>
+            <a:off x="2267744" y="1208505"/>
+            <a:ext cx="5629275" cy="2981325"/>
           </a:xfrm>
           <a:prstGeom prst="rect">
             <a:avLst/>
